--- a/VBShootingGame/Info/VBShootingGmae_PPT.pptx
+++ b/VBShootingGame/Info/VBShootingGmae_PPT.pptx
@@ -5,7 +5,7 @@
     <p:sldMasterId id="2147483648" r:id="rId1"/>
   </p:sldMasterIdLst>
   <p:notesMasterIdLst>
-    <p:notesMasterId r:id="rId38"/>
+    <p:notesMasterId r:id="rId39"/>
   </p:notesMasterIdLst>
   <p:sldIdLst>
     <p:sldId id="256" r:id="rId2"/>
@@ -41,9 +41,10 @@
     <p:sldId id="285" r:id="rId32"/>
     <p:sldId id="286" r:id="rId33"/>
     <p:sldId id="287" r:id="rId34"/>
-    <p:sldId id="289" r:id="rId35"/>
-    <p:sldId id="290" r:id="rId36"/>
-    <p:sldId id="291" r:id="rId37"/>
+    <p:sldId id="292" r:id="rId35"/>
+    <p:sldId id="289" r:id="rId36"/>
+    <p:sldId id="290" r:id="rId37"/>
+    <p:sldId id="291" r:id="rId38"/>
   </p:sldIdLst>
   <p:sldSz cx="9144000" cy="6858000" type="screen4x3"/>
   <p:notesSz cx="6858000" cy="9144000"/>
@@ -227,7 +228,7 @@
           <a:p>
             <a:fld id="{41DBF6DE-150F-47BA-9215-4033C5609E13}" type="datetimeFigureOut">
               <a:rPr lang="ko-KR" altLang="en-US" smtClean="0"/>
-              <a:t>2021-12-07</a:t>
+              <a:t>2021-12-08</a:t>
             </a:fld>
             <a:endParaRPr lang="ko-KR" altLang="en-US"/>
           </a:p>
@@ -676,7 +677,7 @@
           <a:p>
             <a:fld id="{56C57CBD-2820-48A4-B090-770F75892741}" type="datetimeFigureOut">
               <a:rPr lang="ko-KR" altLang="en-US" smtClean="0"/>
-              <a:t>2021-12-07</a:t>
+              <a:t>2021-12-08</a:t>
             </a:fld>
             <a:endParaRPr lang="ko-KR" altLang="en-US"/>
           </a:p>
@@ -846,7 +847,7 @@
           <a:p>
             <a:fld id="{56C57CBD-2820-48A4-B090-770F75892741}" type="datetimeFigureOut">
               <a:rPr lang="ko-KR" altLang="en-US" smtClean="0"/>
-              <a:t>2021-12-07</a:t>
+              <a:t>2021-12-08</a:t>
             </a:fld>
             <a:endParaRPr lang="ko-KR" altLang="en-US"/>
           </a:p>
@@ -1026,7 +1027,7 @@
           <a:p>
             <a:fld id="{56C57CBD-2820-48A4-B090-770F75892741}" type="datetimeFigureOut">
               <a:rPr lang="ko-KR" altLang="en-US" smtClean="0"/>
-              <a:t>2021-12-07</a:t>
+              <a:t>2021-12-08</a:t>
             </a:fld>
             <a:endParaRPr lang="ko-KR" altLang="en-US"/>
           </a:p>
@@ -1196,7 +1197,7 @@
           <a:p>
             <a:fld id="{56C57CBD-2820-48A4-B090-770F75892741}" type="datetimeFigureOut">
               <a:rPr lang="ko-KR" altLang="en-US" smtClean="0"/>
-              <a:t>2021-12-07</a:t>
+              <a:t>2021-12-08</a:t>
             </a:fld>
             <a:endParaRPr lang="ko-KR" altLang="en-US"/>
           </a:p>
@@ -1442,7 +1443,7 @@
           <a:p>
             <a:fld id="{56C57CBD-2820-48A4-B090-770F75892741}" type="datetimeFigureOut">
               <a:rPr lang="ko-KR" altLang="en-US" smtClean="0"/>
-              <a:t>2021-12-07</a:t>
+              <a:t>2021-12-08</a:t>
             </a:fld>
             <a:endParaRPr lang="ko-KR" altLang="en-US"/>
           </a:p>
@@ -1730,7 +1731,7 @@
           <a:p>
             <a:fld id="{56C57CBD-2820-48A4-B090-770F75892741}" type="datetimeFigureOut">
               <a:rPr lang="ko-KR" altLang="en-US" smtClean="0"/>
-              <a:t>2021-12-07</a:t>
+              <a:t>2021-12-08</a:t>
             </a:fld>
             <a:endParaRPr lang="ko-KR" altLang="en-US"/>
           </a:p>
@@ -2152,7 +2153,7 @@
           <a:p>
             <a:fld id="{56C57CBD-2820-48A4-B090-770F75892741}" type="datetimeFigureOut">
               <a:rPr lang="ko-KR" altLang="en-US" smtClean="0"/>
-              <a:t>2021-12-07</a:t>
+              <a:t>2021-12-08</a:t>
             </a:fld>
             <a:endParaRPr lang="ko-KR" altLang="en-US"/>
           </a:p>
@@ -2270,7 +2271,7 @@
           <a:p>
             <a:fld id="{56C57CBD-2820-48A4-B090-770F75892741}" type="datetimeFigureOut">
               <a:rPr lang="ko-KR" altLang="en-US" smtClean="0"/>
-              <a:t>2021-12-07</a:t>
+              <a:t>2021-12-08</a:t>
             </a:fld>
             <a:endParaRPr lang="ko-KR" altLang="en-US"/>
           </a:p>
@@ -2365,7 +2366,7 @@
           <a:p>
             <a:fld id="{56C57CBD-2820-48A4-B090-770F75892741}" type="datetimeFigureOut">
               <a:rPr lang="ko-KR" altLang="en-US" smtClean="0"/>
-              <a:t>2021-12-07</a:t>
+              <a:t>2021-12-08</a:t>
             </a:fld>
             <a:endParaRPr lang="ko-KR" altLang="en-US"/>
           </a:p>
@@ -2642,7 +2643,7 @@
           <a:p>
             <a:fld id="{56C57CBD-2820-48A4-B090-770F75892741}" type="datetimeFigureOut">
               <a:rPr lang="ko-KR" altLang="en-US" smtClean="0"/>
-              <a:t>2021-12-07</a:t>
+              <a:t>2021-12-08</a:t>
             </a:fld>
             <a:endParaRPr lang="ko-KR" altLang="en-US"/>
           </a:p>
@@ -2895,7 +2896,7 @@
           <a:p>
             <a:fld id="{56C57CBD-2820-48A4-B090-770F75892741}" type="datetimeFigureOut">
               <a:rPr lang="ko-KR" altLang="en-US" smtClean="0"/>
-              <a:t>2021-12-07</a:t>
+              <a:t>2021-12-08</a:t>
             </a:fld>
             <a:endParaRPr lang="ko-KR" altLang="en-US"/>
           </a:p>
@@ -3108,7 +3109,7 @@
           <a:p>
             <a:fld id="{56C57CBD-2820-48A4-B090-770F75892741}" type="datetimeFigureOut">
               <a:rPr lang="ko-KR" altLang="en-US" smtClean="0"/>
-              <a:t>2021-12-07</a:t>
+              <a:t>2021-12-08</a:t>
             </a:fld>
             <a:endParaRPr lang="ko-KR" altLang="en-US"/>
           </a:p>
@@ -8204,7 +8205,11 @@
           <a:lstStyle/>
           <a:p>
             <a:pPr algn="ctr"/>
-            <a:endParaRPr lang="ko-KR" altLang="en-US"/>
+            <a:r>
+              <a:rPr lang="ko-KR" altLang="en-US" smtClean="0"/>
+              <a:t>ㄹㅁ</a:t>
+            </a:r>
+            <a:endParaRPr lang="ko-KR" altLang="en-US" dirty="0"/>
           </a:p>
         </p:txBody>
       </p:sp>
@@ -8422,6 +8427,44 @@
             <a:r>
               <a:rPr lang="en-US" altLang="ko-KR" b="1" dirty="0" err="1" smtClean="0"/>
               <a:t>BackSpace</a:t>
+            </a:r>
+            <a:endParaRPr lang="ko-KR" altLang="en-US" b="1" dirty="0"/>
+          </a:p>
+        </p:txBody>
+      </p:sp>
+      <p:sp>
+        <p:nvSpPr>
+          <p:cNvPr id="3" name="TextBox 2"/>
+          <p:cNvSpPr txBox="1"/>
+          <p:nvPr/>
+        </p:nvSpPr>
+        <p:spPr>
+          <a:xfrm>
+            <a:off x="617349" y="1340768"/>
+            <a:ext cx="7056784" cy="369332"/>
+          </a:xfrm>
+          <a:prstGeom prst="rect">
+            <a:avLst/>
+          </a:prstGeom>
+          <a:noFill/>
+        </p:spPr>
+        <p:txBody>
+          <a:bodyPr wrap="square" rtlCol="0">
+            <a:spAutoFit/>
+          </a:bodyPr>
+          <a:lstStyle/>
+          <a:p>
+            <a:r>
+              <a:rPr lang="ko-KR" altLang="en-US" b="1" dirty="0" smtClean="0"/>
+              <a:t>모든 타이머와 </a:t>
+            </a:r>
+            <a:r>
+              <a:rPr lang="ko-KR" altLang="en-US" b="1" dirty="0" err="1" smtClean="0"/>
+              <a:t>스레드</a:t>
+            </a:r>
+            <a:r>
+              <a:rPr lang="ko-KR" altLang="en-US" b="1" dirty="0" smtClean="0"/>
+              <a:t> 일시 정지 후 입력에 따라 재개 또는 종료</a:t>
             </a:r>
             <a:endParaRPr lang="ko-KR" altLang="en-US" b="1" dirty="0"/>
           </a:p>
@@ -12961,62 +13004,13 @@
         <p:spPr>
           <a:xfrm>
             <a:off x="1132046" y="1124744"/>
-            <a:ext cx="6879908" cy="5733256"/>
+            <a:ext cx="6879907" cy="5733256"/>
           </a:xfrm>
           <a:prstGeom prst="rect">
             <a:avLst/>
           </a:prstGeom>
         </p:spPr>
       </p:pic>
-      <p:sp>
-        <p:nvSpPr>
-          <p:cNvPr id="5" name="TextBox 4"/>
-          <p:cNvSpPr txBox="1"/>
-          <p:nvPr/>
-        </p:nvSpPr>
-        <p:spPr>
-          <a:xfrm>
-            <a:off x="4716016" y="5157192"/>
-            <a:ext cx="3161443" cy="615553"/>
-          </a:xfrm>
-          <a:prstGeom prst="rect">
-            <a:avLst/>
-          </a:prstGeom>
-          <a:noFill/>
-        </p:spPr>
-        <p:txBody>
-          <a:bodyPr wrap="none" rtlCol="0">
-            <a:spAutoFit/>
-          </a:bodyPr>
-          <a:lstStyle/>
-          <a:p>
-            <a:r>
-              <a:rPr lang="ko-KR" altLang="en-US" sz="1700" dirty="0" smtClean="0">
-                <a:latin typeface="HY견고딕" pitchFamily="18" charset="-127"/>
-                <a:ea typeface="HY견고딕" pitchFamily="18" charset="-127"/>
-              </a:rPr>
-              <a:t>정밀하거나</a:t>
-            </a:r>
-            <a:endParaRPr lang="en-US" altLang="ko-KR" sz="1700" dirty="0" smtClean="0">
-              <a:latin typeface="HY견고딕" pitchFamily="18" charset="-127"/>
-              <a:ea typeface="HY견고딕" pitchFamily="18" charset="-127"/>
-            </a:endParaRPr>
-          </a:p>
-          <a:p>
-            <a:r>
-              <a:rPr lang="ko-KR" altLang="en-US" sz="1700" dirty="0" smtClean="0">
-                <a:latin typeface="HY견고딕" pitchFamily="18" charset="-127"/>
-                <a:ea typeface="HY견고딕" pitchFamily="18" charset="-127"/>
-              </a:rPr>
-              <a:t>빠른 반응이 필요 없는 것 처리</a:t>
-            </a:r>
-            <a:endParaRPr lang="ko-KR" altLang="en-US" sz="1700" dirty="0">
-              <a:latin typeface="HY견고딕" pitchFamily="18" charset="-127"/>
-              <a:ea typeface="HY견고딕" pitchFamily="18" charset="-127"/>
-            </a:endParaRPr>
-          </a:p>
-        </p:txBody>
-      </p:sp>
     </p:spTree>
     <p:extLst>
       <p:ext uri="{BB962C8B-B14F-4D97-AF65-F5344CB8AC3E}">
@@ -13208,7 +13202,17 @@
                 <a:latin typeface="+mn-ea"/>
                 <a:ea typeface="+mn-ea"/>
               </a:rPr>
-              <a:t>벡터를 활용한 오브젝트 이동</a:t>
+              <a:t>최적화를 위한 </a:t>
+            </a:r>
+            <a:r>
+              <a:rPr lang="ko-KR" altLang="en-US" sz="2300" dirty="0" err="1" smtClean="0">
+                <a:solidFill>
+                  <a:srgbClr val="E5E3EA"/>
+                </a:solidFill>
+                <a:latin typeface="+mn-ea"/>
+                <a:ea typeface="+mn-ea"/>
+              </a:rPr>
+              <a:t>스레딩</a:t>
             </a:r>
             <a:endParaRPr lang="ko-KR" altLang="en-US" sz="2300" dirty="0">
               <a:solidFill>
@@ -13242,8 +13246,38 @@
         </p:blipFill>
         <p:spPr>
           <a:xfrm>
-            <a:off x="1134406" y="1142448"/>
-            <a:ext cx="6858662" cy="5715551"/>
+            <a:off x="395536" y="3444255"/>
+            <a:ext cx="4076700" cy="619125"/>
+          </a:xfrm>
+          <a:prstGeom prst="rect">
+            <a:avLst/>
+          </a:prstGeom>
+        </p:spPr>
+      </p:pic>
+      <p:pic>
+        <p:nvPicPr>
+          <p:cNvPr id="5" name="그림 4"/>
+          <p:cNvPicPr>
+            <a:picLocks noChangeAspect="1"/>
+          </p:cNvPicPr>
+          <p:nvPr/>
+        </p:nvPicPr>
+        <p:blipFill>
+          <a:blip r:embed="rId3">
+            <a:extLst>
+              <a:ext uri="{28A0092B-C50C-407E-A947-70E740481C1C}">
+                <a14:useLocalDpi xmlns:a14="http://schemas.microsoft.com/office/drawing/2010/main" val="0"/>
+              </a:ext>
+            </a:extLst>
+          </a:blip>
+          <a:stretch>
+            <a:fillRect/>
+          </a:stretch>
+        </p:blipFill>
+        <p:spPr>
+          <a:xfrm>
+            <a:off x="4924364" y="1996455"/>
+            <a:ext cx="3429000" cy="4133850"/>
           </a:xfrm>
           <a:prstGeom prst="rect">
             <a:avLst/>
@@ -13253,7 +13287,7 @@
     </p:spTree>
     <p:extLst>
       <p:ext uri="{BB962C8B-B14F-4D97-AF65-F5344CB8AC3E}">
-        <p14:creationId xmlns:p14="http://schemas.microsoft.com/office/powerpoint/2010/main" val="4252832617"/>
+        <p14:creationId xmlns:p14="http://schemas.microsoft.com/office/powerpoint/2010/main" val="1990573018"/>
       </p:ext>
     </p:extLst>
   </p:cSld>
@@ -13455,6 +13489,239 @@
       </p:sp>
       <p:pic>
         <p:nvPicPr>
+          <p:cNvPr id="3" name="그림 2"/>
+          <p:cNvPicPr>
+            <a:picLocks noChangeAspect="1"/>
+          </p:cNvPicPr>
+          <p:nvPr/>
+        </p:nvPicPr>
+        <p:blipFill>
+          <a:blip r:embed="rId2">
+            <a:extLst>
+              <a:ext uri="{28A0092B-C50C-407E-A947-70E740481C1C}">
+                <a14:useLocalDpi xmlns:a14="http://schemas.microsoft.com/office/drawing/2010/main" val="0"/>
+              </a:ext>
+            </a:extLst>
+          </a:blip>
+          <a:stretch>
+            <a:fillRect/>
+          </a:stretch>
+        </p:blipFill>
+        <p:spPr>
+          <a:xfrm>
+            <a:off x="1134406" y="1142448"/>
+            <a:ext cx="6858662" cy="5715551"/>
+          </a:xfrm>
+          <a:prstGeom prst="rect">
+            <a:avLst/>
+          </a:prstGeom>
+        </p:spPr>
+      </p:pic>
+    </p:spTree>
+    <p:extLst>
+      <p:ext uri="{BB962C8B-B14F-4D97-AF65-F5344CB8AC3E}">
+        <p14:creationId xmlns:p14="http://schemas.microsoft.com/office/powerpoint/2010/main" val="4252832617"/>
+      </p:ext>
+    </p:extLst>
+  </p:cSld>
+  <p:clrMapOvr>
+    <a:masterClrMapping/>
+  </p:clrMapOvr>
+  <p:timing>
+    <p:tnLst>
+      <p:par>
+        <p:cTn id="1" dur="indefinite" restart="never" nodeType="tmRoot"/>
+      </p:par>
+    </p:tnLst>
+  </p:timing>
+</p:sld>
+</file>
+
+<file path=ppt/slides/slide36.xml><?xml version="1.0" encoding="utf-8"?>
+<p:sld xmlns:a="http://schemas.openxmlformats.org/drawingml/2006/main" xmlns:r="http://schemas.openxmlformats.org/officeDocument/2006/relationships" xmlns:p="http://schemas.openxmlformats.org/presentationml/2006/main">
+  <p:cSld>
+    <p:spTree>
+      <p:nvGrpSpPr>
+        <p:cNvPr id="1" name=""/>
+        <p:cNvGrpSpPr/>
+        <p:nvPr/>
+      </p:nvGrpSpPr>
+      <p:grpSpPr>
+        <a:xfrm>
+          <a:off x="0" y="0"/>
+          <a:ext cx="0" cy="0"/>
+          <a:chOff x="0" y="0"/>
+          <a:chExt cx="0" cy="0"/>
+        </a:xfrm>
+      </p:grpSpPr>
+      <p:sp>
+        <p:nvSpPr>
+          <p:cNvPr id="13" name="직사각형 12"/>
+          <p:cNvSpPr/>
+          <p:nvPr/>
+        </p:nvSpPr>
+        <p:spPr>
+          <a:xfrm>
+            <a:off x="0" y="1268760"/>
+            <a:ext cx="9144000" cy="5589240"/>
+          </a:xfrm>
+          <a:prstGeom prst="rect">
+            <a:avLst/>
+          </a:prstGeom>
+          <a:solidFill>
+            <a:srgbClr val="E0DEE5"/>
+          </a:solidFill>
+          <a:ln>
+            <a:noFill/>
+          </a:ln>
+        </p:spPr>
+        <p:style>
+          <a:lnRef idx="2">
+            <a:schemeClr val="accent1">
+              <a:shade val="50000"/>
+            </a:schemeClr>
+          </a:lnRef>
+          <a:fillRef idx="1">
+            <a:schemeClr val="accent1"/>
+          </a:fillRef>
+          <a:effectRef idx="0">
+            <a:schemeClr val="accent1"/>
+          </a:effectRef>
+          <a:fontRef idx="minor">
+            <a:schemeClr val="lt1"/>
+          </a:fontRef>
+        </p:style>
+        <p:txBody>
+          <a:bodyPr rtlCol="0" anchor="ctr"/>
+          <a:lstStyle/>
+          <a:p>
+            <a:pPr algn="ctr"/>
+            <a:endParaRPr lang="ko-KR" altLang="en-US"/>
+          </a:p>
+        </p:txBody>
+      </p:sp>
+      <p:sp>
+        <p:nvSpPr>
+          <p:cNvPr id="12" name="직사각형 11"/>
+          <p:cNvSpPr/>
+          <p:nvPr/>
+        </p:nvSpPr>
+        <p:spPr>
+          <a:xfrm>
+            <a:off x="0" y="0"/>
+            <a:ext cx="9144000" cy="1268760"/>
+          </a:xfrm>
+          <a:prstGeom prst="rect">
+            <a:avLst/>
+          </a:prstGeom>
+          <a:solidFill>
+            <a:srgbClr val="0E3261">
+              <a:alpha val="89804"/>
+            </a:srgbClr>
+          </a:solidFill>
+          <a:ln>
+            <a:noFill/>
+          </a:ln>
+        </p:spPr>
+        <p:style>
+          <a:lnRef idx="2">
+            <a:schemeClr val="accent1">
+              <a:shade val="50000"/>
+            </a:schemeClr>
+          </a:lnRef>
+          <a:fillRef idx="1">
+            <a:schemeClr val="accent1"/>
+          </a:fillRef>
+          <a:effectRef idx="0">
+            <a:schemeClr val="accent1"/>
+          </a:effectRef>
+          <a:fontRef idx="minor">
+            <a:schemeClr val="lt1"/>
+          </a:fontRef>
+        </p:style>
+        <p:txBody>
+          <a:bodyPr rtlCol="0" anchor="ctr"/>
+          <a:lstStyle/>
+          <a:p>
+            <a:pPr algn="ctr"/>
+            <a:endParaRPr lang="ko-KR" altLang="en-US"/>
+          </a:p>
+        </p:txBody>
+      </p:sp>
+      <p:sp>
+        <p:nvSpPr>
+          <p:cNvPr id="2" name="제목 1"/>
+          <p:cNvSpPr>
+            <a:spLocks noGrp="1"/>
+          </p:cNvSpPr>
+          <p:nvPr>
+            <p:ph type="title"/>
+          </p:nvPr>
+        </p:nvSpPr>
+        <p:spPr>
+          <a:xfrm>
+            <a:off x="467544" y="-184585"/>
+            <a:ext cx="7992888" cy="1637929"/>
+          </a:xfrm>
+        </p:spPr>
+        <p:txBody>
+          <a:bodyPr>
+            <a:normAutofit/>
+          </a:bodyPr>
+          <a:lstStyle/>
+          <a:p>
+            <a:pPr algn="l"/>
+            <a:r>
+              <a:rPr lang="ko-KR" altLang="en-US" sz="4000" dirty="0" smtClean="0">
+                <a:solidFill>
+                  <a:srgbClr val="E5E3EA"/>
+                </a:solidFill>
+                <a:latin typeface="+mn-ea"/>
+                <a:ea typeface="+mn-ea"/>
+              </a:rPr>
+              <a:t>구현상의 특징</a:t>
+            </a:r>
+            <a:r>
+              <a:rPr lang="en-US" altLang="ko-KR" sz="4000" dirty="0" smtClean="0">
+                <a:solidFill>
+                  <a:srgbClr val="E5E3EA"/>
+                </a:solidFill>
+                <a:latin typeface="+mn-ea"/>
+                <a:ea typeface="+mn-ea"/>
+              </a:rPr>
+              <a:t/>
+            </a:r>
+            <a:br>
+              <a:rPr lang="en-US" altLang="ko-KR" sz="4000" dirty="0" smtClean="0">
+                <a:solidFill>
+                  <a:srgbClr val="E5E3EA"/>
+                </a:solidFill>
+                <a:latin typeface="+mn-ea"/>
+                <a:ea typeface="+mn-ea"/>
+              </a:rPr>
+            </a:br>
+            <a:r>
+              <a:rPr lang="ko-KR" altLang="en-US" sz="2300" dirty="0" smtClean="0">
+                <a:solidFill>
+                  <a:srgbClr val="E5E3EA"/>
+                </a:solidFill>
+                <a:latin typeface="+mn-ea"/>
+                <a:ea typeface="+mn-ea"/>
+              </a:rPr>
+              <a:t>벡터를 활용한 오브젝트 이동</a:t>
+            </a:r>
+            <a:endParaRPr lang="ko-KR" altLang="en-US" sz="2300" dirty="0">
+              <a:solidFill>
+                <a:srgbClr val="E5E3EA"/>
+              </a:solidFill>
+              <a:latin typeface="+mn-ea"/>
+              <a:ea typeface="+mn-ea"/>
+            </a:endParaRPr>
+          </a:p>
+        </p:txBody>
+      </p:sp>
+      <p:pic>
+        <p:nvPicPr>
           <p:cNvPr id="4" name="그림 3"/>
           <p:cNvPicPr>
             <a:picLocks noChangeAspect="1"/>
@@ -13503,7 +13770,7 @@
 </p:sld>
 </file>
 
-<file path=ppt/slides/slide36.xml><?xml version="1.0" encoding="utf-8"?>
+<file path=ppt/slides/slide37.xml><?xml version="1.0" encoding="utf-8"?>
 <p:sld xmlns:a="http://schemas.openxmlformats.org/drawingml/2006/main" xmlns:r="http://schemas.openxmlformats.org/officeDocument/2006/relationships" xmlns:p="http://schemas.openxmlformats.org/presentationml/2006/main">
   <p:cSld>
     <p:spTree>
